--- a/Presentation/DataVisAndAutoPresentation_220425.pptx
+++ b/Presentation/DataVisAndAutoPresentation_220425.pptx
@@ -212,7 +212,7 @@
           <a:p>
             <a:fld id="{1972AFAA-B8DF-1241-A754-8F72B37B2BD6}" type="datetimeFigureOut">
               <a:rPr lang="en-IE" smtClean="0"/>
-              <a:t>25/04/2022</a:t>
+              <a:t>27/04/2022</a:t>
             </a:fld>
             <a:endParaRPr lang="en-IE"/>
           </a:p>
@@ -1989,7 +1989,7 @@
           <a:p>
             <a:fld id="{2F45CBD7-9306-B64B-8AD7-02B6ACB60ACB}" type="datetimeFigureOut">
               <a:rPr lang="en-IE" smtClean="0"/>
-              <a:t>25/04/2022</a:t>
+              <a:t>27/04/2022</a:t>
             </a:fld>
             <a:endParaRPr lang="en-IE"/>
           </a:p>
@@ -2213,7 +2213,7 @@
           <a:p>
             <a:fld id="{2F45CBD7-9306-B64B-8AD7-02B6ACB60ACB}" type="datetimeFigureOut">
               <a:rPr lang="en-IE" smtClean="0"/>
-              <a:t>25/04/2022</a:t>
+              <a:t>27/04/2022</a:t>
             </a:fld>
             <a:endParaRPr lang="en-IE"/>
           </a:p>
@@ -2447,7 +2447,7 @@
           <a:p>
             <a:fld id="{2F45CBD7-9306-B64B-8AD7-02B6ACB60ACB}" type="datetimeFigureOut">
               <a:rPr lang="en-IE" smtClean="0"/>
-              <a:t>25/04/2022</a:t>
+              <a:t>27/04/2022</a:t>
             </a:fld>
             <a:endParaRPr lang="en-IE"/>
           </a:p>
@@ -2864,7 +2864,7 @@
           <a:p>
             <a:fld id="{2F45CBD7-9306-B64B-8AD7-02B6ACB60ACB}" type="datetimeFigureOut">
               <a:rPr lang="en-IE" smtClean="0"/>
-              <a:t>25/04/2022</a:t>
+              <a:t>27/04/2022</a:t>
             </a:fld>
             <a:endParaRPr lang="en-IE"/>
           </a:p>
@@ -3156,7 +3156,7 @@
           <a:p>
             <a:fld id="{2F45CBD7-9306-B64B-8AD7-02B6ACB60ACB}" type="datetimeFigureOut">
               <a:rPr lang="en-IE" smtClean="0"/>
-              <a:t>25/04/2022</a:t>
+              <a:t>27/04/2022</a:t>
             </a:fld>
             <a:endParaRPr lang="en-IE"/>
           </a:p>
@@ -3595,7 +3595,7 @@
           <a:p>
             <a:fld id="{2F45CBD7-9306-B64B-8AD7-02B6ACB60ACB}" type="datetimeFigureOut">
               <a:rPr lang="en-IE" smtClean="0"/>
-              <a:t>25/04/2022</a:t>
+              <a:t>27/04/2022</a:t>
             </a:fld>
             <a:endParaRPr lang="en-IE"/>
           </a:p>
@@ -3761,7 +3761,7 @@
           <a:p>
             <a:fld id="{2F45CBD7-9306-B64B-8AD7-02B6ACB60ACB}" type="datetimeFigureOut">
               <a:rPr lang="en-IE" smtClean="0"/>
-              <a:t>25/04/2022</a:t>
+              <a:t>27/04/2022</a:t>
             </a:fld>
             <a:endParaRPr lang="en-IE"/>
           </a:p>
@@ -3898,7 +3898,7 @@
           <a:p>
             <a:fld id="{2F45CBD7-9306-B64B-8AD7-02B6ACB60ACB}" type="datetimeFigureOut">
               <a:rPr lang="en-IE" smtClean="0"/>
-              <a:t>25/04/2022</a:t>
+              <a:t>27/04/2022</a:t>
             </a:fld>
             <a:endParaRPr lang="en-IE"/>
           </a:p>
@@ -4235,7 +4235,7 @@
           <a:p>
             <a:fld id="{2F45CBD7-9306-B64B-8AD7-02B6ACB60ACB}" type="datetimeFigureOut">
               <a:rPr lang="en-IE" smtClean="0"/>
-              <a:t>25/04/2022</a:t>
+              <a:t>27/04/2022</a:t>
             </a:fld>
             <a:endParaRPr lang="en-IE"/>
           </a:p>
@@ -4548,7 +4548,7 @@
           <a:p>
             <a:fld id="{2F45CBD7-9306-B64B-8AD7-02B6ACB60ACB}" type="datetimeFigureOut">
               <a:rPr lang="en-IE" smtClean="0"/>
-              <a:t>25/04/2022</a:t>
+              <a:t>27/04/2022</a:t>
             </a:fld>
             <a:endParaRPr lang="en-IE"/>
           </a:p>
@@ -10612,10 +10612,10 @@
       </p:grpSpPr>
       <p:pic>
         <p:nvPicPr>
-          <p:cNvPr id="27" name="Picture 26">
-            <a:extLst>
-              <a:ext uri="{FF2B5EF4-FFF2-40B4-BE49-F238E27FC236}">
-                <a16:creationId xmlns:a16="http://schemas.microsoft.com/office/drawing/2014/main" id="{CF582EB9-722C-4623-AA1C-DFB6064B4605}"/>
+          <p:cNvPr id="31" name="Picture 30">
+            <a:extLst>
+              <a:ext uri="{FF2B5EF4-FFF2-40B4-BE49-F238E27FC236}">
+                <a16:creationId xmlns:a16="http://schemas.microsoft.com/office/drawing/2014/main" id="{297603FB-C860-442B-8864-5531AB9D3ED4}"/>
               </a:ext>
             </a:extLst>
           </p:cNvPr>
@@ -10632,8 +10632,98 @@
         </p:blipFill>
         <p:spPr>
           <a:xfrm>
-            <a:off x="6790009" y="1619171"/>
-            <a:ext cx="3033938" cy="4315884"/>
+            <a:off x="9567681" y="2812870"/>
+            <a:ext cx="2563240" cy="3075887"/>
+          </a:xfrm>
+          <a:prstGeom prst="rect">
+            <a:avLst/>
+          </a:prstGeom>
+        </p:spPr>
+      </p:pic>
+      <p:pic>
+        <p:nvPicPr>
+          <p:cNvPr id="19" name="Picture 18">
+            <a:extLst>
+              <a:ext uri="{FF2B5EF4-FFF2-40B4-BE49-F238E27FC236}">
+                <a16:creationId xmlns:a16="http://schemas.microsoft.com/office/drawing/2014/main" id="{D21545F4-9B05-4A2B-A507-BB964673D7CC}"/>
+              </a:ext>
+            </a:extLst>
+          </p:cNvPr>
+          <p:cNvPicPr>
+            <a:picLocks noChangeAspect="1"/>
+          </p:cNvPicPr>
+          <p:nvPr/>
+        </p:nvPicPr>
+        <p:blipFill>
+          <a:blip r:embed="rId4"/>
+          <a:stretch>
+            <a:fillRect/>
+          </a:stretch>
+        </p:blipFill>
+        <p:spPr>
+          <a:xfrm>
+            <a:off x="6957048" y="2789435"/>
+            <a:ext cx="2372585" cy="3099322"/>
+          </a:xfrm>
+          <a:prstGeom prst="rect">
+            <a:avLst/>
+          </a:prstGeom>
+        </p:spPr>
+      </p:pic>
+      <p:pic>
+        <p:nvPicPr>
+          <p:cNvPr id="13" name="Picture 12">
+            <a:extLst>
+              <a:ext uri="{FF2B5EF4-FFF2-40B4-BE49-F238E27FC236}">
+                <a16:creationId xmlns:a16="http://schemas.microsoft.com/office/drawing/2014/main" id="{AEE33402-8F92-494F-9C11-89153A9FFF51}"/>
+              </a:ext>
+            </a:extLst>
+          </p:cNvPr>
+          <p:cNvPicPr>
+            <a:picLocks noChangeAspect="1"/>
+          </p:cNvPicPr>
+          <p:nvPr/>
+        </p:nvPicPr>
+        <p:blipFill>
+          <a:blip r:embed="rId5"/>
+          <a:stretch>
+            <a:fillRect/>
+          </a:stretch>
+        </p:blipFill>
+        <p:spPr>
+          <a:xfrm>
+            <a:off x="3648014" y="3820496"/>
+            <a:ext cx="2812842" cy="2722934"/>
+          </a:xfrm>
+          <a:prstGeom prst="rect">
+            <a:avLst/>
+          </a:prstGeom>
+        </p:spPr>
+      </p:pic>
+      <p:pic>
+        <p:nvPicPr>
+          <p:cNvPr id="11" name="Picture 10">
+            <a:extLst>
+              <a:ext uri="{FF2B5EF4-FFF2-40B4-BE49-F238E27FC236}">
+                <a16:creationId xmlns:a16="http://schemas.microsoft.com/office/drawing/2014/main" id="{3590AFC0-1192-43B0-B2D2-8BCD95C8EFF5}"/>
+              </a:ext>
+            </a:extLst>
+          </p:cNvPr>
+          <p:cNvPicPr>
+            <a:picLocks noChangeAspect="1"/>
+          </p:cNvPicPr>
+          <p:nvPr/>
+        </p:nvPicPr>
+        <p:blipFill>
+          <a:blip r:embed="rId6"/>
+          <a:stretch>
+            <a:fillRect/>
+          </a:stretch>
+        </p:blipFill>
+        <p:spPr>
+          <a:xfrm>
+            <a:off x="7149546" y="1640854"/>
+            <a:ext cx="2049676" cy="703321"/>
           </a:xfrm>
           <a:prstGeom prst="rect">
             <a:avLst/>
@@ -10695,7 +10785,7 @@
           <p:nvPr/>
         </p:nvPicPr>
         <p:blipFill>
-          <a:blip r:embed="rId4"/>
+          <a:blip r:embed="rId7"/>
           <a:stretch>
             <a:fillRect/>
           </a:stretch>
@@ -10881,7 +10971,7 @@
           <p:nvPr/>
         </p:nvPicPr>
         <p:blipFill>
-          <a:blip r:embed="rId5"/>
+          <a:blip r:embed="rId8"/>
           <a:stretch>
             <a:fillRect/>
           </a:stretch>
@@ -10896,35 +10986,6 @@
           </a:prstGeom>
         </p:spPr>
       </p:pic>
-      <p:pic>
-        <p:nvPicPr>
-          <p:cNvPr id="14" name="Picture 13">
-            <a:extLst>
-              <a:ext uri="{FF2B5EF4-FFF2-40B4-BE49-F238E27FC236}">
-                <a16:creationId xmlns:a16="http://schemas.microsoft.com/office/drawing/2014/main" id="{228E0E16-BB79-4ADB-989C-4A74B1053B9D}"/>
-              </a:ext>
-            </a:extLst>
-          </p:cNvPr>
-          <p:cNvPicPr>
-            <a:picLocks noChangeAspect="1"/>
-          </p:cNvPicPr>
-          <p:nvPr/>
-        </p:nvPicPr>
-        <p:blipFill rotWithShape="1">
-          <a:blip r:embed="rId6"/>
-          <a:srcRect t="33396"/>
-          <a:stretch/>
-        </p:blipFill>
-        <p:spPr>
-          <a:xfrm>
-            <a:off x="3759588" y="3777113"/>
-            <a:ext cx="2500538" cy="2482585"/>
-          </a:xfrm>
-          <a:prstGeom prst="rect">
-            <a:avLst/>
-          </a:prstGeom>
-        </p:spPr>
-      </p:pic>
       <p:sp>
         <p:nvSpPr>
           <p:cNvPr id="15" name="Rectangle 14">
@@ -10939,7 +11000,7 @@
         </p:nvSpPr>
         <p:spPr>
           <a:xfrm>
-            <a:off x="3713688" y="4595532"/>
+            <a:off x="3947154" y="4492235"/>
             <a:ext cx="2500539" cy="294514"/>
           </a:xfrm>
           <a:prstGeom prst="rect">
@@ -11043,8 +11104,8 @@
         </p:nvSpPr>
         <p:spPr>
           <a:xfrm>
-            <a:off x="3721483" y="5247946"/>
-            <a:ext cx="2500539" cy="425351"/>
+            <a:off x="3804165" y="5266762"/>
+            <a:ext cx="2500539" cy="598560"/>
           </a:xfrm>
           <a:prstGeom prst="rect">
             <a:avLst/>
@@ -11148,7 +11209,7 @@
         <p:spPr>
           <a:xfrm>
             <a:off x="6769481" y="2760287"/>
-            <a:ext cx="2819594" cy="781475"/>
+            <a:ext cx="2520453" cy="781475"/>
           </a:xfrm>
           <a:prstGeom prst="rect">
             <a:avLst/>
@@ -11199,8 +11260,8 @@
         </p:nvSpPr>
         <p:spPr>
           <a:xfrm>
-            <a:off x="6769484" y="3745790"/>
-            <a:ext cx="2819591" cy="2164194"/>
+            <a:off x="6769485" y="3745790"/>
+            <a:ext cx="2520450" cy="2164194"/>
           </a:xfrm>
           <a:prstGeom prst="rect">
             <a:avLst/>
@@ -11237,36 +11298,6 @@
           </a:p>
         </p:txBody>
       </p:sp>
-      <p:pic>
-        <p:nvPicPr>
-          <p:cNvPr id="4" name="Picture 3">
-            <a:extLst>
-              <a:ext uri="{FF2B5EF4-FFF2-40B4-BE49-F238E27FC236}">
-                <a16:creationId xmlns:a16="http://schemas.microsoft.com/office/drawing/2014/main" id="{BA1F9DE2-AD3C-4BE5-A1A9-5C67AE2F073A}"/>
-              </a:ext>
-            </a:extLst>
-          </p:cNvPr>
-          <p:cNvPicPr>
-            <a:picLocks noChangeAspect="1"/>
-          </p:cNvPicPr>
-          <p:nvPr/>
-        </p:nvPicPr>
-        <p:blipFill>
-          <a:blip r:embed="rId7"/>
-          <a:stretch>
-            <a:fillRect/>
-          </a:stretch>
-        </p:blipFill>
-        <p:spPr>
-          <a:xfrm>
-            <a:off x="9671547" y="2672604"/>
-            <a:ext cx="2520453" cy="3192718"/>
-          </a:xfrm>
-          <a:prstGeom prst="rect">
-            <a:avLst/>
-          </a:prstGeom>
-        </p:spPr>
-      </p:pic>
       <p:sp>
         <p:nvSpPr>
           <p:cNvPr id="20" name="Rectangle 19">
@@ -11385,7 +11416,7 @@
         </p:nvSpPr>
         <p:spPr>
           <a:xfrm>
-            <a:off x="6682130" y="2331569"/>
+            <a:off x="6609307" y="2344175"/>
             <a:ext cx="2948181" cy="523220"/>
           </a:xfrm>
           <a:prstGeom prst="rect">
@@ -11459,7 +11490,7 @@
         </p:nvSpPr>
         <p:spPr>
           <a:xfrm>
-            <a:off x="8717357" y="2801989"/>
+            <a:off x="8264649" y="2852013"/>
             <a:ext cx="942837" cy="2871307"/>
           </a:xfrm>
           <a:prstGeom prst="rect">
@@ -11511,7 +11542,7 @@
         </p:nvSpPr>
         <p:spPr>
           <a:xfrm>
-            <a:off x="11186047" y="2672604"/>
+            <a:off x="11090592" y="2854672"/>
             <a:ext cx="942837" cy="2871307"/>
           </a:xfrm>
           <a:prstGeom prst="rect">
@@ -11620,7 +11651,7 @@
                                           </p:stCondLst>
                                         </p:cTn>
                                         <p:tgtEl>
-                                          <p:spTgt spid="14"/>
+                                          <p:spTgt spid="13"/>
                                         </p:tgtEl>
                                         <p:attrNameLst>
                                           <p:attrName>style.visibility</p:attrName>
@@ -11881,7 +11912,7 @@
                                           </p:stCondLst>
                                         </p:cTn>
                                         <p:tgtEl>
-                                          <p:spTgt spid="27"/>
+                                          <p:spTgt spid="11"/>
                                         </p:tgtEl>
                                         <p:attrNameLst>
                                           <p:attrName>style.visibility</p:attrName>
@@ -11908,7 +11939,7 @@
                                           </p:stCondLst>
                                         </p:cTn>
                                         <p:tgtEl>
-                                          <p:spTgt spid="9"/>
+                                          <p:spTgt spid="23"/>
                                         </p:tgtEl>
                                         <p:attrNameLst>
                                           <p:attrName>style.visibility</p:attrName>
@@ -11953,7 +11984,34 @@
                                           </p:stCondLst>
                                         </p:cTn>
                                         <p:tgtEl>
-                                          <p:spTgt spid="23"/>
+                                          <p:spTgt spid="9"/>
+                                        </p:tgtEl>
+                                        <p:attrNameLst>
+                                          <p:attrName>style.visibility</p:attrName>
+                                        </p:attrNameLst>
+                                      </p:cBhvr>
+                                      <p:to>
+                                        <p:strVal val="visible"/>
+                                      </p:to>
+                                    </p:set>
+                                  </p:childTnLst>
+                                </p:cTn>
+                              </p:par>
+                              <p:par>
+                                <p:cTn id="37" presetID="1" presetClass="entr" presetSubtype="0" fill="hold" nodeType="withEffect">
+                                  <p:stCondLst>
+                                    <p:cond delay="0"/>
+                                  </p:stCondLst>
+                                  <p:childTnLst>
+                                    <p:set>
+                                      <p:cBhvr>
+                                        <p:cTn id="38" dur="1" fill="hold">
+                                          <p:stCondLst>
+                                            <p:cond delay="0"/>
+                                          </p:stCondLst>
+                                        </p:cTn>
+                                        <p:tgtEl>
+                                          <p:spTgt spid="19"/>
                                         </p:tgtEl>
                                         <p:attrNameLst>
                                           <p:attrName>style.visibility</p:attrName>
@@ -11973,26 +12031,26 @@
                     </p:cTn>
                   </p:par>
                   <p:par>
-                    <p:cTn id="37" fill="hold">
+                    <p:cTn id="39" fill="hold">
                       <p:stCondLst>
                         <p:cond delay="indefinite"/>
                       </p:stCondLst>
                       <p:childTnLst>
                         <p:par>
-                          <p:cTn id="38" fill="hold">
+                          <p:cTn id="40" fill="hold">
                             <p:stCondLst>
                               <p:cond delay="0"/>
                             </p:stCondLst>
                             <p:childTnLst>
                               <p:par>
-                                <p:cTn id="39" presetID="1" presetClass="entr" presetSubtype="0" fill="hold" grpId="0" nodeType="clickEffect">
+                                <p:cTn id="41" presetID="1" presetClass="entr" presetSubtype="0" fill="hold" grpId="0" nodeType="clickEffect">
                                   <p:stCondLst>
                                     <p:cond delay="0"/>
                                   </p:stCondLst>
                                   <p:childTnLst>
                                     <p:set>
                                       <p:cBhvr>
-                                        <p:cTn id="40" dur="1" fill="hold">
+                                        <p:cTn id="42" dur="1" fill="hold">
                                           <p:stCondLst>
                                             <p:cond delay="0"/>
                                           </p:stCondLst>
@@ -12018,26 +12076,26 @@
                     </p:cTn>
                   </p:par>
                   <p:par>
-                    <p:cTn id="41" fill="hold">
+                    <p:cTn id="43" fill="hold">
                       <p:stCondLst>
                         <p:cond delay="indefinite"/>
                       </p:stCondLst>
                       <p:childTnLst>
                         <p:par>
-                          <p:cTn id="42" fill="hold">
+                          <p:cTn id="44" fill="hold">
                             <p:stCondLst>
                               <p:cond delay="0"/>
                             </p:stCondLst>
                             <p:childTnLst>
                               <p:par>
-                                <p:cTn id="43" presetID="1" presetClass="entr" presetSubtype="0" fill="hold" grpId="0" nodeType="clickEffect">
+                                <p:cTn id="45" presetID="1" presetClass="entr" presetSubtype="0" fill="hold" grpId="0" nodeType="clickEffect">
                                   <p:stCondLst>
                                     <p:cond delay="0"/>
                                   </p:stCondLst>
                                   <p:childTnLst>
                                     <p:set>
                                       <p:cBhvr>
-                                        <p:cTn id="44" dur="1" fill="hold">
+                                        <p:cTn id="46" dur="1" fill="hold">
                                           <p:stCondLst>
                                             <p:cond delay="0"/>
                                           </p:stCondLst>
@@ -12063,26 +12121,26 @@
                     </p:cTn>
                   </p:par>
                   <p:par>
-                    <p:cTn id="45" fill="hold">
+                    <p:cTn id="47" fill="hold">
                       <p:stCondLst>
                         <p:cond delay="indefinite"/>
                       </p:stCondLst>
                       <p:childTnLst>
                         <p:par>
-                          <p:cTn id="46" fill="hold">
+                          <p:cTn id="48" fill="hold">
                             <p:stCondLst>
                               <p:cond delay="0"/>
                             </p:stCondLst>
                             <p:childTnLst>
                               <p:par>
-                                <p:cTn id="47" presetID="1" presetClass="entr" presetSubtype="0" fill="hold" grpId="0" nodeType="clickEffect">
+                                <p:cTn id="49" presetID="1" presetClass="entr" presetSubtype="0" fill="hold" grpId="0" nodeType="clickEffect">
                                   <p:stCondLst>
                                     <p:cond delay="0"/>
                                   </p:stCondLst>
                                   <p:childTnLst>
                                     <p:set>
                                       <p:cBhvr>
-                                        <p:cTn id="48" dur="1" fill="hold">
+                                        <p:cTn id="50" dur="1" fill="hold">
                                           <p:stCondLst>
                                             <p:cond delay="0"/>
                                           </p:stCondLst>
@@ -12101,26 +12159,8 @@
                                   </p:childTnLst>
                                 </p:cTn>
                               </p:par>
-                            </p:childTnLst>
-                          </p:cTn>
-                        </p:par>
-                      </p:childTnLst>
-                    </p:cTn>
-                  </p:par>
-                  <p:par>
-                    <p:cTn id="49" fill="hold">
-                      <p:stCondLst>
-                        <p:cond delay="indefinite"/>
-                      </p:stCondLst>
-                      <p:childTnLst>
-                        <p:par>
-                          <p:cTn id="50" fill="hold">
-                            <p:stCondLst>
-                              <p:cond delay="0"/>
-                            </p:stCondLst>
-                            <p:childTnLst>
                               <p:par>
-                                <p:cTn id="51" presetID="1" presetClass="entr" presetSubtype="0" fill="hold" nodeType="clickEffect">
+                                <p:cTn id="51" presetID="1" presetClass="entr" presetSubtype="0" fill="hold" grpId="0" nodeType="withEffect">
                                   <p:stCondLst>
                                     <p:cond delay="0"/>
                                   </p:stCondLst>
@@ -12133,7 +12173,7 @@
                                           </p:stCondLst>
                                         </p:cTn>
                                         <p:tgtEl>
-                                          <p:spTgt spid="4"/>
+                                          <p:spTgt spid="22"/>
                                         </p:tgtEl>
                                         <p:attrNameLst>
                                           <p:attrName>style.visibility</p:attrName>
@@ -12147,7 +12187,7 @@
                                 </p:cTn>
                               </p:par>
                               <p:par>
-                                <p:cTn id="53" presetID="1" presetClass="entr" presetSubtype="0" fill="hold" grpId="0" nodeType="withEffect">
+                                <p:cTn id="53" presetID="1" presetClass="entr" presetSubtype="0" fill="hold" nodeType="withEffect">
                                   <p:stCondLst>
                                     <p:cond delay="0"/>
                                   </p:stCondLst>
@@ -12160,7 +12200,7 @@
                                           </p:stCondLst>
                                         </p:cTn>
                                         <p:tgtEl>
-                                          <p:spTgt spid="22"/>
+                                          <p:spTgt spid="31"/>
                                         </p:tgtEl>
                                         <p:attrNameLst>
                                           <p:attrName>style.visibility</p:attrName>

--- a/Presentation/DataVisAndAutoPresentation_220425.pptx
+++ b/Presentation/DataVisAndAutoPresentation_220425.pptx
@@ -212,7 +212,7 @@
           <a:p>
             <a:fld id="{1972AFAA-B8DF-1241-A754-8F72B37B2BD6}" type="datetimeFigureOut">
               <a:rPr lang="en-IE" smtClean="0"/>
-              <a:t>27/04/2022</a:t>
+              <a:t>28/04/2022</a:t>
             </a:fld>
             <a:endParaRPr lang="en-IE"/>
           </a:p>
@@ -1989,7 +1989,7 @@
           <a:p>
             <a:fld id="{2F45CBD7-9306-B64B-8AD7-02B6ACB60ACB}" type="datetimeFigureOut">
               <a:rPr lang="en-IE" smtClean="0"/>
-              <a:t>27/04/2022</a:t>
+              <a:t>28/04/2022</a:t>
             </a:fld>
             <a:endParaRPr lang="en-IE"/>
           </a:p>
@@ -2213,7 +2213,7 @@
           <a:p>
             <a:fld id="{2F45CBD7-9306-B64B-8AD7-02B6ACB60ACB}" type="datetimeFigureOut">
               <a:rPr lang="en-IE" smtClean="0"/>
-              <a:t>27/04/2022</a:t>
+              <a:t>28/04/2022</a:t>
             </a:fld>
             <a:endParaRPr lang="en-IE"/>
           </a:p>
@@ -2447,7 +2447,7 @@
           <a:p>
             <a:fld id="{2F45CBD7-9306-B64B-8AD7-02B6ACB60ACB}" type="datetimeFigureOut">
               <a:rPr lang="en-IE" smtClean="0"/>
-              <a:t>27/04/2022</a:t>
+              <a:t>28/04/2022</a:t>
             </a:fld>
             <a:endParaRPr lang="en-IE"/>
           </a:p>
@@ -2864,7 +2864,7 @@
           <a:p>
             <a:fld id="{2F45CBD7-9306-B64B-8AD7-02B6ACB60ACB}" type="datetimeFigureOut">
               <a:rPr lang="en-IE" smtClean="0"/>
-              <a:t>27/04/2022</a:t>
+              <a:t>28/04/2022</a:t>
             </a:fld>
             <a:endParaRPr lang="en-IE"/>
           </a:p>
@@ -3156,7 +3156,7 @@
           <a:p>
             <a:fld id="{2F45CBD7-9306-B64B-8AD7-02B6ACB60ACB}" type="datetimeFigureOut">
               <a:rPr lang="en-IE" smtClean="0"/>
-              <a:t>27/04/2022</a:t>
+              <a:t>28/04/2022</a:t>
             </a:fld>
             <a:endParaRPr lang="en-IE"/>
           </a:p>
@@ -3595,7 +3595,7 @@
           <a:p>
             <a:fld id="{2F45CBD7-9306-B64B-8AD7-02B6ACB60ACB}" type="datetimeFigureOut">
               <a:rPr lang="en-IE" smtClean="0"/>
-              <a:t>27/04/2022</a:t>
+              <a:t>28/04/2022</a:t>
             </a:fld>
             <a:endParaRPr lang="en-IE"/>
           </a:p>
@@ -3761,7 +3761,7 @@
           <a:p>
             <a:fld id="{2F45CBD7-9306-B64B-8AD7-02B6ACB60ACB}" type="datetimeFigureOut">
               <a:rPr lang="en-IE" smtClean="0"/>
-              <a:t>27/04/2022</a:t>
+              <a:t>28/04/2022</a:t>
             </a:fld>
             <a:endParaRPr lang="en-IE"/>
           </a:p>
@@ -3898,7 +3898,7 @@
           <a:p>
             <a:fld id="{2F45CBD7-9306-B64B-8AD7-02B6ACB60ACB}" type="datetimeFigureOut">
               <a:rPr lang="en-IE" smtClean="0"/>
-              <a:t>27/04/2022</a:t>
+              <a:t>28/04/2022</a:t>
             </a:fld>
             <a:endParaRPr lang="en-IE"/>
           </a:p>
@@ -4235,7 +4235,7 @@
           <a:p>
             <a:fld id="{2F45CBD7-9306-B64B-8AD7-02B6ACB60ACB}" type="datetimeFigureOut">
               <a:rPr lang="en-IE" smtClean="0"/>
-              <a:t>27/04/2022</a:t>
+              <a:t>28/04/2022</a:t>
             </a:fld>
             <a:endParaRPr lang="en-IE"/>
           </a:p>
@@ -4548,7 +4548,7 @@
           <a:p>
             <a:fld id="{2F45CBD7-9306-B64B-8AD7-02B6ACB60ACB}" type="datetimeFigureOut">
               <a:rPr lang="en-IE" smtClean="0"/>
-              <a:t>27/04/2022</a:t>
+              <a:t>28/04/2022</a:t>
             </a:fld>
             <a:endParaRPr lang="en-IE"/>
           </a:p>
@@ -5979,10 +5979,6 @@
           </a:bodyPr>
           <a:lstStyle/>
           <a:p>
-            <a:pPr marL="514350" indent="-514350">
-              <a:buFont typeface="+mj-lt"/>
-              <a:buAutoNum type="arabicPeriod" startAt="2"/>
-            </a:pPr>
             <a:r>
               <a:rPr lang="en-AU" sz="3200" dirty="0">
                 <a:solidFill>
@@ -12159,15 +12155,33 @@
                                   </p:childTnLst>
                                 </p:cTn>
                               </p:par>
+                            </p:childTnLst>
+                          </p:cTn>
+                        </p:par>
+                      </p:childTnLst>
+                    </p:cTn>
+                  </p:par>
+                  <p:par>
+                    <p:cTn id="51" fill="hold">
+                      <p:stCondLst>
+                        <p:cond delay="indefinite"/>
+                      </p:stCondLst>
+                      <p:childTnLst>
+                        <p:par>
+                          <p:cTn id="52" fill="hold">
+                            <p:stCondLst>
+                              <p:cond delay="0"/>
+                            </p:stCondLst>
+                            <p:childTnLst>
                               <p:par>
-                                <p:cTn id="51" presetID="1" presetClass="entr" presetSubtype="0" fill="hold" grpId="0" nodeType="withEffect">
+                                <p:cTn id="53" presetID="1" presetClass="entr" presetSubtype="0" fill="hold" grpId="0" nodeType="clickEffect">
                                   <p:stCondLst>
                                     <p:cond delay="0"/>
                                   </p:stCondLst>
                                   <p:childTnLst>
                                     <p:set>
                                       <p:cBhvr>
-                                        <p:cTn id="52" dur="1" fill="hold">
+                                        <p:cTn id="54" dur="1" fill="hold">
                                           <p:stCondLst>
                                             <p:cond delay="0"/>
                                           </p:stCondLst>
@@ -12187,14 +12201,14 @@
                                 </p:cTn>
                               </p:par>
                               <p:par>
-                                <p:cTn id="53" presetID="1" presetClass="entr" presetSubtype="0" fill="hold" nodeType="withEffect">
+                                <p:cTn id="55" presetID="1" presetClass="entr" presetSubtype="0" fill="hold" nodeType="withEffect">
                                   <p:stCondLst>
                                     <p:cond delay="0"/>
                                   </p:stCondLst>
                                   <p:childTnLst>
                                     <p:set>
                                       <p:cBhvr>
-                                        <p:cTn id="54" dur="1" fill="hold">
+                                        <p:cTn id="56" dur="1" fill="hold">
                                           <p:stCondLst>
                                             <p:cond delay="0"/>
                                           </p:stCondLst>
@@ -12220,26 +12234,26 @@
                     </p:cTn>
                   </p:par>
                   <p:par>
-                    <p:cTn id="55" fill="hold">
+                    <p:cTn id="57" fill="hold">
                       <p:stCondLst>
                         <p:cond delay="indefinite"/>
                       </p:stCondLst>
                       <p:childTnLst>
                         <p:par>
-                          <p:cTn id="56" fill="hold">
+                          <p:cTn id="58" fill="hold">
                             <p:stCondLst>
                               <p:cond delay="0"/>
                             </p:stCondLst>
                             <p:childTnLst>
                               <p:par>
-                                <p:cTn id="57" presetID="1" presetClass="entr" presetSubtype="0" fill="hold" grpId="0" nodeType="clickEffect">
+                                <p:cTn id="59" presetID="1" presetClass="entr" presetSubtype="0" fill="hold" grpId="0" nodeType="clickEffect">
                                   <p:stCondLst>
                                     <p:cond delay="0"/>
                                   </p:stCondLst>
                                   <p:childTnLst>
                                     <p:set>
                                       <p:cBhvr>
-                                        <p:cTn id="58" dur="1" fill="hold">
+                                        <p:cTn id="60" dur="1" fill="hold">
                                           <p:stCondLst>
                                             <p:cond delay="0"/>
                                           </p:stCondLst>
@@ -12265,26 +12279,26 @@
                     </p:cTn>
                   </p:par>
                   <p:par>
-                    <p:cTn id="59" fill="hold">
+                    <p:cTn id="61" fill="hold">
                       <p:stCondLst>
                         <p:cond delay="indefinite"/>
                       </p:stCondLst>
                       <p:childTnLst>
                         <p:par>
-                          <p:cTn id="60" fill="hold">
+                          <p:cTn id="62" fill="hold">
                             <p:stCondLst>
                               <p:cond delay="0"/>
                             </p:stCondLst>
                             <p:childTnLst>
                               <p:par>
-                                <p:cTn id="61" presetID="1" presetClass="entr" presetSubtype="0" fill="hold" grpId="0" nodeType="clickEffect">
+                                <p:cTn id="63" presetID="1" presetClass="entr" presetSubtype="0" fill="hold" grpId="0" nodeType="clickEffect">
                                   <p:stCondLst>
                                     <p:cond delay="0"/>
                                   </p:stCondLst>
                                   <p:childTnLst>
                                     <p:set>
                                       <p:cBhvr>
-                                        <p:cTn id="62" dur="1" fill="hold">
+                                        <p:cTn id="64" dur="1" fill="hold">
                                           <p:stCondLst>
                                             <p:cond delay="0"/>
                                           </p:stCondLst>
@@ -12310,26 +12324,26 @@
                     </p:cTn>
                   </p:par>
                   <p:par>
-                    <p:cTn id="63" fill="hold">
+                    <p:cTn id="65" fill="hold">
                       <p:stCondLst>
                         <p:cond delay="indefinite"/>
                       </p:stCondLst>
                       <p:childTnLst>
                         <p:par>
-                          <p:cTn id="64" fill="hold">
+                          <p:cTn id="66" fill="hold">
                             <p:stCondLst>
                               <p:cond delay="0"/>
                             </p:stCondLst>
                             <p:childTnLst>
                               <p:par>
-                                <p:cTn id="65" presetID="1" presetClass="entr" presetSubtype="0" fill="hold" grpId="0" nodeType="clickEffect">
+                                <p:cTn id="67" presetID="1" presetClass="entr" presetSubtype="0" fill="hold" grpId="0" nodeType="clickEffect">
                                   <p:stCondLst>
                                     <p:cond delay="0"/>
                                   </p:stCondLst>
                                   <p:childTnLst>
                                     <p:set>
                                       <p:cBhvr>
-                                        <p:cTn id="66" dur="1" fill="hold">
+                                        <p:cTn id="68" dur="1" fill="hold">
                                           <p:stCondLst>
                                             <p:cond delay="0"/>
                                           </p:stCondLst>
